--- a/修論/本文0117/figure/fig_2_2_IL_setup.pptx
+++ b/修論/本文0117/figure/fig_2_2_IL_setup.pptx
@@ -227,7 +227,7 @@
           <a:p>
             <a:fld id="{78E677E7-82C9-4938-9480-49B5B41335B9}" type="datetimeFigureOut">
               <a:rPr kumimoji="1" lang="ja-JP" altLang="en-US" smtClean="0"/>
-              <a:t>2019/1/10</a:t>
+              <a:t>2019/1/31</a:t>
             </a:fld>
             <a:endParaRPr kumimoji="1" lang="ja-JP" altLang="en-US"/>
           </a:p>
@@ -404,7 +404,7 @@
           <a:p>
             <a:fld id="{3446E738-F900-9D48-A133-DAC01D1B4E24}" type="datetimeFigureOut">
               <a:rPr kumimoji="1" lang="ja-JP" altLang="en-US" smtClean="0"/>
-              <a:t>2019/1/10</a:t>
+              <a:t>2019/1/31</a:t>
             </a:fld>
             <a:endParaRPr kumimoji="1" lang="ja-JP" altLang="en-US"/>
           </a:p>
@@ -909,7 +909,7 @@
           <a:p>
             <a:fld id="{10720FFB-8FD2-0244-8340-A53A1D78DF51}" type="datetime1">
               <a:rPr kumimoji="1" lang="ja-JP" altLang="en-US" smtClean="0"/>
-              <a:t>2019/1/10</a:t>
+              <a:t>2019/1/31</a:t>
             </a:fld>
             <a:endParaRPr kumimoji="1" lang="ja-JP" altLang="en-US"/>
           </a:p>
@@ -1118,7 +1118,7 @@
           <a:p>
             <a:fld id="{CE9D822C-DFC2-9543-907C-72EEC755F3F7}" type="datetime1">
               <a:rPr kumimoji="1" lang="ja-JP" altLang="en-US" smtClean="0"/>
-              <a:t>2019/1/10</a:t>
+              <a:t>2019/1/31</a:t>
             </a:fld>
             <a:endParaRPr kumimoji="1" lang="ja-JP" altLang="en-US"/>
           </a:p>
@@ -1337,7 +1337,7 @@
           <a:p>
             <a:fld id="{C1282F87-C729-5D48-A48C-1DB9AA85DB81}" type="datetime1">
               <a:rPr kumimoji="1" lang="ja-JP" altLang="en-US" smtClean="0"/>
-              <a:t>2019/1/10</a:t>
+              <a:t>2019/1/31</a:t>
             </a:fld>
             <a:endParaRPr kumimoji="1" lang="ja-JP" altLang="en-US"/>
           </a:p>
@@ -1546,7 +1546,7 @@
           <a:p>
             <a:fld id="{89A47EE3-A654-A443-B744-676F7DFE59F9}" type="datetime1">
               <a:rPr kumimoji="1" lang="ja-JP" altLang="en-US" smtClean="0"/>
-              <a:t>2019/1/10</a:t>
+              <a:t>2019/1/31</a:t>
             </a:fld>
             <a:endParaRPr kumimoji="1" lang="ja-JP" altLang="en-US"/>
           </a:p>
@@ -1876,7 +1876,7 @@
           <a:p>
             <a:fld id="{F2FBEC7A-1A8D-3D4F-B579-5908030A237A}" type="datetime1">
               <a:rPr kumimoji="1" lang="ja-JP" altLang="en-US" smtClean="0"/>
-              <a:t>2019/1/10</a:t>
+              <a:t>2019/1/31</a:t>
             </a:fld>
             <a:endParaRPr kumimoji="1" lang="ja-JP" altLang="en-US"/>
           </a:p>
@@ -2159,7 +2159,7 @@
           <a:p>
             <a:fld id="{6F8B8875-4412-2045-A219-43F832D95989}" type="datetime1">
               <a:rPr kumimoji="1" lang="ja-JP" altLang="en-US" smtClean="0"/>
-              <a:t>2019/1/10</a:t>
+              <a:t>2019/1/31</a:t>
             </a:fld>
             <a:endParaRPr kumimoji="1" lang="ja-JP" altLang="en-US"/>
           </a:p>
@@ -2659,7 +2659,7 @@
           <a:p>
             <a:fld id="{9759EF83-A7E8-ED4E-BE3B-B04F4CD47BBB}" type="datetime1">
               <a:rPr kumimoji="1" lang="ja-JP" altLang="en-US" smtClean="0"/>
-              <a:t>2019/1/10</a:t>
+              <a:t>2019/1/31</a:t>
             </a:fld>
             <a:endParaRPr kumimoji="1" lang="ja-JP" altLang="en-US"/>
           </a:p>
@@ -2804,7 +2804,7 @@
           <a:p>
             <a:fld id="{A39236DB-587D-5F41-B6B0-8726D9E83BFC}" type="datetime1">
               <a:rPr kumimoji="1" lang="ja-JP" altLang="en-US" smtClean="0"/>
-              <a:t>2019/1/10</a:t>
+              <a:t>2019/1/31</a:t>
             </a:fld>
             <a:endParaRPr kumimoji="1" lang="ja-JP" altLang="en-US"/>
           </a:p>
@@ -2921,7 +2921,7 @@
           <a:p>
             <a:fld id="{C55BB37D-AE48-DD40-8537-3AADCD4AD14E}" type="datetime1">
               <a:rPr kumimoji="1" lang="ja-JP" altLang="en-US" smtClean="0"/>
-              <a:t>2019/1/10</a:t>
+              <a:t>2019/1/31</a:t>
             </a:fld>
             <a:endParaRPr kumimoji="1" lang="ja-JP" altLang="en-US"/>
           </a:p>
@@ -3278,7 +3278,7 @@
           <a:p>
             <a:fld id="{044A9A96-A761-E544-A252-16B574CAA06A}" type="datetime1">
               <a:rPr kumimoji="1" lang="ja-JP" altLang="en-US" smtClean="0"/>
-              <a:t>2019/1/10</a:t>
+              <a:t>2019/1/31</a:t>
             </a:fld>
             <a:endParaRPr kumimoji="1" lang="ja-JP" altLang="en-US"/>
           </a:p>
@@ -3605,7 +3605,7 @@
           <a:p>
             <a:fld id="{3BF67472-26F2-1445-9318-605606D5DD2C}" type="datetime1">
               <a:rPr kumimoji="1" lang="ja-JP" altLang="en-US" smtClean="0"/>
-              <a:t>2019/1/10</a:t>
+              <a:t>2019/1/31</a:t>
             </a:fld>
             <a:endParaRPr kumimoji="1" lang="ja-JP" altLang="en-US"/>
           </a:p>
@@ -3857,7 +3857,7 @@
           <a:p>
             <a:fld id="{1C3C70B0-0559-0F4F-8048-C5720087C2AE}" type="datetime1">
               <a:rPr kumimoji="1" lang="ja-JP" altLang="en-US" smtClean="0"/>
-              <a:t>2019/1/10</a:t>
+              <a:t>2019/1/31</a:t>
             </a:fld>
             <a:endParaRPr kumimoji="1" lang="ja-JP" altLang="en-US"/>
           </a:p>
@@ -7448,8 +7448,8 @@
         </p:nvSpPr>
         <p:spPr>
           <a:xfrm>
-            <a:off x="1141028" y="2941343"/>
-            <a:ext cx="1810475" cy="830997"/>
+            <a:off x="1141028" y="3041330"/>
+            <a:ext cx="1810475" cy="461665"/>
           </a:xfrm>
           <a:prstGeom prst="rect">
             <a:avLst/>
@@ -7472,39 +7472,6 @@
                 <a:cs typeface="Arial" panose="020B0604020202020204" pitchFamily="34" charset="0"/>
               </a:rPr>
               <a:t>Pulse Generator</a:t>
-            </a:r>
-          </a:p>
-          <a:p>
-            <a:r>
-              <a:rPr lang="en-US" altLang="ja-JP" sz="1200" dirty="0">
-                <a:latin typeface="Arial" panose="020B0604020202020204" pitchFamily="34" charset="0"/>
-                <a:ea typeface="ＭＳ ゴシック" panose="020B0609070205080204" pitchFamily="49" charset="-128"/>
-                <a:cs typeface="Arial" panose="020B0604020202020204" pitchFamily="34" charset="0"/>
-              </a:rPr>
-              <a:t>Agilent 8114A</a:t>
-            </a:r>
-            <a:endParaRPr kumimoji="1" lang="en-US" altLang="ja-JP" sz="1200" dirty="0">
-              <a:latin typeface="Arial" panose="020B0604020202020204" pitchFamily="34" charset="0"/>
-              <a:ea typeface="ＭＳ ゴシック" panose="020B0609070205080204" pitchFamily="49" charset="-128"/>
-              <a:cs typeface="Arial" panose="020B0604020202020204" pitchFamily="34" charset="0"/>
-            </a:endParaRPr>
-          </a:p>
-          <a:p>
-            <a:r>
-              <a:rPr lang="ja-JP" altLang="en-US" sz="1200" dirty="0">
-                <a:latin typeface="Arial" panose="020B0604020202020204" pitchFamily="34" charset="0"/>
-                <a:ea typeface="ＭＳ ゴシック" panose="020B0609070205080204" pitchFamily="49" charset="-128"/>
-                <a:cs typeface="Arial" panose="020B0604020202020204" pitchFamily="34" charset="0"/>
-              </a:rPr>
-              <a:t>帯域</a:t>
-            </a:r>
-            <a:r>
-              <a:rPr lang="en-US" altLang="ja-JP" sz="1200" dirty="0">
-                <a:latin typeface="Arial" panose="020B0604020202020204" pitchFamily="34" charset="0"/>
-                <a:ea typeface="ＭＳ ゴシック" panose="020B0609070205080204" pitchFamily="49" charset="-128"/>
-                <a:cs typeface="Arial" panose="020B0604020202020204" pitchFamily="34" charset="0"/>
-              </a:rPr>
-              <a:t>:15 MHz</a:t>
             </a:r>
           </a:p>
           <a:p>
@@ -7828,75 +7795,6 @@
               <a:solidFill>
                 <a:schemeClr val="tx1"/>
               </a:solidFill>
-              <a:latin typeface="Arial" panose="020B0604020202020204" pitchFamily="34" charset="0"/>
-              <a:ea typeface="ＭＳ ゴシック" panose="020B0609070205080204" pitchFamily="49" charset="-128"/>
-              <a:cs typeface="Arial" panose="020B0604020202020204" pitchFamily="34" charset="0"/>
-            </a:endParaRPr>
-          </a:p>
-        </p:txBody>
-      </p:sp>
-      <p:sp>
-        <p:nvSpPr>
-          <p:cNvPr id="26" name="テキスト ボックス 25">
-            <a:extLst>
-              <a:ext uri="{FF2B5EF4-FFF2-40B4-BE49-F238E27FC236}">
-                <a16:creationId xmlns:a16="http://schemas.microsoft.com/office/drawing/2014/main" id="{60E6AE12-763B-49FE-9EEB-C78D775A6DDC}"/>
-              </a:ext>
-            </a:extLst>
-          </p:cNvPr>
-          <p:cNvSpPr txBox="1"/>
-          <p:nvPr/>
-        </p:nvSpPr>
-        <p:spPr>
-          <a:xfrm>
-            <a:off x="6030596" y="3659787"/>
-            <a:ext cx="2192046" cy="646331"/>
-          </a:xfrm>
-          <a:prstGeom prst="rect">
-            <a:avLst/>
-          </a:prstGeom>
-          <a:noFill/>
-          <a:ln>
-            <a:noFill/>
-          </a:ln>
-        </p:spPr>
-        <p:txBody>
-          <a:bodyPr wrap="square" rtlCol="0">
-            <a:spAutoFit/>
-          </a:bodyPr>
-          <a:lstStyle/>
-          <a:p>
-            <a:r>
-              <a:rPr kumimoji="1" lang="en-US" altLang="ja-JP" sz="1200" dirty="0" err="1">
-                <a:latin typeface="Arial" panose="020B0604020202020204" pitchFamily="34" charset="0"/>
-                <a:ea typeface="ＭＳ ゴシック" panose="020B0609070205080204" pitchFamily="49" charset="-128"/>
-                <a:cs typeface="Arial" panose="020B0604020202020204" pitchFamily="34" charset="0"/>
-              </a:rPr>
-              <a:t>Powermeter</a:t>
-            </a:r>
-            <a:endParaRPr kumimoji="1" lang="en-US" altLang="ja-JP" sz="1200" dirty="0">
-              <a:latin typeface="Arial" panose="020B0604020202020204" pitchFamily="34" charset="0"/>
-              <a:ea typeface="ＭＳ ゴシック" panose="020B0609070205080204" pitchFamily="49" charset="-128"/>
-              <a:cs typeface="Arial" panose="020B0604020202020204" pitchFamily="34" charset="0"/>
-            </a:endParaRPr>
-          </a:p>
-          <a:p>
-            <a:r>
-              <a:rPr lang="en-US" altLang="ja-JP" sz="1200" dirty="0">
-                <a:latin typeface="Arial" panose="020B0604020202020204" pitchFamily="34" charset="0"/>
-                <a:ea typeface="ＭＳ ゴシック" panose="020B0609070205080204" pitchFamily="49" charset="-128"/>
-                <a:cs typeface="Arial" panose="020B0604020202020204" pitchFamily="34" charset="0"/>
-              </a:rPr>
-              <a:t>ADCMT 8230</a:t>
-            </a:r>
-            <a:endParaRPr kumimoji="1" lang="en-US" altLang="ja-JP" sz="1200" dirty="0">
-              <a:latin typeface="Arial" panose="020B0604020202020204" pitchFamily="34" charset="0"/>
-              <a:ea typeface="ＭＳ ゴシック" panose="020B0609070205080204" pitchFamily="49" charset="-128"/>
-              <a:cs typeface="Arial" panose="020B0604020202020204" pitchFamily="34" charset="0"/>
-            </a:endParaRPr>
-          </a:p>
-          <a:p>
-            <a:endParaRPr kumimoji="1" lang="ja-JP" altLang="en-US" sz="1200" dirty="0">
               <a:latin typeface="Arial" panose="020B0604020202020204" pitchFamily="34" charset="0"/>
               <a:ea typeface="ＭＳ ゴシック" panose="020B0609070205080204" pitchFamily="49" charset="-128"/>
               <a:cs typeface="Arial" panose="020B0604020202020204" pitchFamily="34" charset="0"/>
@@ -8240,13 +8138,26 @@
               <a:t>数 </a:t>
             </a:r>
             <a:r>
-              <a:rPr kumimoji="1" lang="en-US" altLang="ja-JP" sz="1200" dirty="0">
+              <a:rPr lang="en-US" altLang="ja-JP" sz="1200" dirty="0" err="1">
                 <a:latin typeface="Arial" panose="020B0604020202020204" pitchFamily="34" charset="0"/>
                 <a:ea typeface="ＭＳ ゴシック" panose="020B0609070205080204" pitchFamily="49" charset="-128"/>
                 <a:cs typeface="Arial" panose="020B0604020202020204" pitchFamily="34" charset="0"/>
               </a:rPr>
-              <a:t>us</a:t>
-            </a:r>
+              <a:t>μ</a:t>
+            </a:r>
+            <a:r>
+              <a:rPr kumimoji="1" lang="en-US" altLang="ja-JP" sz="1200" dirty="0" err="1">
+                <a:latin typeface="Arial" panose="020B0604020202020204" pitchFamily="34" charset="0"/>
+                <a:ea typeface="ＭＳ ゴシック" panose="020B0609070205080204" pitchFamily="49" charset="-128"/>
+                <a:cs typeface="Arial" panose="020B0604020202020204" pitchFamily="34" charset="0"/>
+              </a:rPr>
+              <a:t>s</a:t>
+            </a:r>
+            <a:endParaRPr kumimoji="1" lang="en-US" altLang="ja-JP" sz="1200" dirty="0">
+              <a:latin typeface="Arial" panose="020B0604020202020204" pitchFamily="34" charset="0"/>
+              <a:ea typeface="ＭＳ ゴシック" panose="020B0609070205080204" pitchFamily="49" charset="-128"/>
+              <a:cs typeface="Arial" panose="020B0604020202020204" pitchFamily="34" charset="0"/>
+            </a:endParaRPr>
           </a:p>
           <a:p>
             <a:r>
@@ -8669,6 +8580,88 @@
               </a:rPr>
               <a:t>試料</a:t>
             </a:r>
+            <a:endParaRPr kumimoji="1" lang="ja-JP" altLang="en-US" sz="1200" dirty="0">
+              <a:latin typeface="Arial" panose="020B0604020202020204" pitchFamily="34" charset="0"/>
+              <a:ea typeface="ＭＳ ゴシック" panose="020B0609070205080204" pitchFamily="49" charset="-128"/>
+              <a:cs typeface="Arial" panose="020B0604020202020204" pitchFamily="34" charset="0"/>
+            </a:endParaRPr>
+          </a:p>
+        </p:txBody>
+      </p:sp>
+      <p:sp>
+        <p:nvSpPr>
+          <p:cNvPr id="43" name="テキスト ボックス 42">
+            <a:extLst>
+              <a:ext uri="{FF2B5EF4-FFF2-40B4-BE49-F238E27FC236}">
+                <a16:creationId xmlns:a16="http://schemas.microsoft.com/office/drawing/2014/main" id="{73A6D58D-F639-4963-94F7-74B3BA2673B4}"/>
+              </a:ext>
+            </a:extLst>
+          </p:cNvPr>
+          <p:cNvSpPr txBox="1"/>
+          <p:nvPr/>
+        </p:nvSpPr>
+        <p:spPr>
+          <a:xfrm>
+            <a:off x="4720544" y="607498"/>
+            <a:ext cx="1810475" cy="830997"/>
+          </a:xfrm>
+          <a:prstGeom prst="rect">
+            <a:avLst/>
+          </a:prstGeom>
+          <a:noFill/>
+          <a:ln>
+            <a:noFill/>
+          </a:ln>
+        </p:spPr>
+        <p:txBody>
+          <a:bodyPr wrap="square" rtlCol="0">
+            <a:spAutoFit/>
+          </a:bodyPr>
+          <a:lstStyle/>
+          <a:p>
+            <a:r>
+              <a:rPr kumimoji="1" lang="en-US" altLang="ja-JP" sz="1200" dirty="0">
+                <a:latin typeface="Arial" panose="020B0604020202020204" pitchFamily="34" charset="0"/>
+                <a:ea typeface="ＭＳ ゴシック" panose="020B0609070205080204" pitchFamily="49" charset="-128"/>
+                <a:cs typeface="Arial" panose="020B0604020202020204" pitchFamily="34" charset="0"/>
+              </a:rPr>
+              <a:t>Pulse Generator</a:t>
+            </a:r>
+          </a:p>
+          <a:p>
+            <a:r>
+              <a:rPr lang="en-US" altLang="ja-JP" sz="1200" dirty="0">
+                <a:latin typeface="Arial" panose="020B0604020202020204" pitchFamily="34" charset="0"/>
+                <a:ea typeface="ＭＳ ゴシック" panose="020B0609070205080204" pitchFamily="49" charset="-128"/>
+                <a:cs typeface="Arial" panose="020B0604020202020204" pitchFamily="34" charset="0"/>
+              </a:rPr>
+              <a:t>Agilent 8114A</a:t>
+            </a:r>
+            <a:endParaRPr kumimoji="1" lang="en-US" altLang="ja-JP" sz="1200" dirty="0">
+              <a:latin typeface="Arial" panose="020B0604020202020204" pitchFamily="34" charset="0"/>
+              <a:ea typeface="ＭＳ ゴシック" panose="020B0609070205080204" pitchFamily="49" charset="-128"/>
+              <a:cs typeface="Arial" panose="020B0604020202020204" pitchFamily="34" charset="0"/>
+            </a:endParaRPr>
+          </a:p>
+          <a:p>
+            <a:r>
+              <a:rPr lang="ja-JP" altLang="en-US" sz="1200" dirty="0">
+                <a:latin typeface="Arial" panose="020B0604020202020204" pitchFamily="34" charset="0"/>
+                <a:ea typeface="ＭＳ ゴシック" panose="020B0609070205080204" pitchFamily="49" charset="-128"/>
+                <a:cs typeface="Arial" panose="020B0604020202020204" pitchFamily="34" charset="0"/>
+              </a:rPr>
+              <a:t>帯域</a:t>
+            </a:r>
+            <a:r>
+              <a:rPr lang="en-US" altLang="ja-JP" sz="1200" dirty="0">
+                <a:latin typeface="Arial" panose="020B0604020202020204" pitchFamily="34" charset="0"/>
+                <a:ea typeface="ＭＳ ゴシック" panose="020B0609070205080204" pitchFamily="49" charset="-128"/>
+                <a:cs typeface="Arial" panose="020B0604020202020204" pitchFamily="34" charset="0"/>
+              </a:rPr>
+              <a:t>:15 MHz</a:t>
+            </a:r>
+          </a:p>
+          <a:p>
             <a:endParaRPr kumimoji="1" lang="ja-JP" altLang="en-US" sz="1200" dirty="0">
               <a:latin typeface="Arial" panose="020B0604020202020204" pitchFamily="34" charset="0"/>
               <a:ea typeface="ＭＳ ゴシック" panose="020B0609070205080204" pitchFamily="49" charset="-128"/>
